--- a/Music and Mental Health - Consolidated.pptx
+++ b/Music and Mental Health - Consolidated.pptx
@@ -124,6 +124,35 @@
     </p:ext>
   </p:extLst>
 </p:presentation>
+</file>
+
+<file path=ppt/changesInfos/changesInfo1.xml><?xml version="1.0" encoding="utf-8"?>
+<pc:chgInfo xmlns:a="http://schemas.openxmlformats.org/drawingml/2006/main" xmlns:r="http://schemas.openxmlformats.org/officeDocument/2006/relationships" xmlns:ac="http://schemas.microsoft.com/office/drawing/2013/main/command" xmlns:pc="http://schemas.microsoft.com/office/powerpoint/2013/main/command">
+  <pc:docChgLst>
+    <pc:chgData name="Sweta Virani" userId="06e3792e9a70d39d" providerId="LiveId" clId="{4246B6F0-D92C-4C6E-AD56-B7559F0A4F23}"/>
+    <pc:docChg chg="modSld">
+      <pc:chgData name="Sweta Virani" userId="06e3792e9a70d39d" providerId="LiveId" clId="{4246B6F0-D92C-4C6E-AD56-B7559F0A4F23}" dt="2023-02-16T00:07:19.861" v="4" actId="20577"/>
+      <pc:docMkLst>
+        <pc:docMk/>
+      </pc:docMkLst>
+      <pc:sldChg chg="modSp mod">
+        <pc:chgData name="Sweta Virani" userId="06e3792e9a70d39d" providerId="LiveId" clId="{4246B6F0-D92C-4C6E-AD56-B7559F0A4F23}" dt="2023-02-16T00:07:19.861" v="4" actId="20577"/>
+        <pc:sldMkLst>
+          <pc:docMk/>
+          <pc:sldMk cId="3165924428" sldId="273"/>
+        </pc:sldMkLst>
+        <pc:spChg chg="mod">
+          <ac:chgData name="Sweta Virani" userId="06e3792e9a70d39d" providerId="LiveId" clId="{4246B6F0-D92C-4C6E-AD56-B7559F0A4F23}" dt="2023-02-16T00:07:19.861" v="4" actId="20577"/>
+          <ac:spMkLst>
+            <pc:docMk/>
+            <pc:sldMk cId="3165924428" sldId="273"/>
+            <ac:spMk id="4" creationId="{5D0DF4AE-AA83-9672-1898-EB089E68ECD1}"/>
+          </ac:spMkLst>
+        </pc:spChg>
+      </pc:sldChg>
+    </pc:docChg>
+  </pc:docChgLst>
+</pc:chgInfo>
 </file>
 
 <file path=ppt/slideLayouts/slideLayout1.xml><?xml version="1.0" encoding="utf-8"?>
@@ -15254,7 +15283,7 @@
                 <a:ea typeface="Calibri" panose="020F0502020204030204" pitchFamily="34" charset="0"/>
                 <a:cs typeface="Calibri" panose="020F0502020204030204" pitchFamily="34" charset="0"/>
               </a:rPr>
-              <a:t>Favorite Genre by Combined Mental health rankings group</a:t>
+              <a:t>Favorite Genre by Combined Mental health scale</a:t>
             </a:r>
             <a:endParaRPr lang="en-US" dirty="0">
               <a:latin typeface="Tahoma" panose="020B0604030504040204" pitchFamily="34" charset="0"/>

--- a/Music and Mental Health - Consolidated.pptx
+++ b/Music and Mental Health - Consolidated.pptx
@@ -4,6 +4,9 @@
   <p:sldMasterIdLst>
     <p:sldMasterId id="2147483660" r:id="rId1"/>
   </p:sldMasterIdLst>
+  <p:notesMasterIdLst>
+    <p:notesMasterId r:id="rId17"/>
+  </p:notesMasterIdLst>
   <p:sldIdLst>
     <p:sldId id="256" r:id="rId2"/>
     <p:sldId id="257" r:id="rId3"/>
@@ -155,6 +158,630 @@
 </pc:chgInfo>
 </file>
 
+<file path=ppt/notesMasters/notesMaster1.xml><?xml version="1.0" encoding="utf-8"?>
+<p:notesMaster xmlns:a="http://schemas.openxmlformats.org/drawingml/2006/main" xmlns:r="http://schemas.openxmlformats.org/officeDocument/2006/relationships" xmlns:p="http://schemas.openxmlformats.org/presentationml/2006/main">
+  <p:cSld>
+    <p:bg>
+      <p:bgRef idx="1001">
+        <a:schemeClr val="bg1"/>
+      </p:bgRef>
+    </p:bg>
+    <p:spTree>
+      <p:nvGrpSpPr>
+        <p:cNvPr id="1" name=""/>
+        <p:cNvGrpSpPr/>
+        <p:nvPr/>
+      </p:nvGrpSpPr>
+      <p:grpSpPr>
+        <a:xfrm>
+          <a:off x="0" y="0"/>
+          <a:ext cx="0" cy="0"/>
+          <a:chOff x="0" y="0"/>
+          <a:chExt cx="0" cy="0"/>
+        </a:xfrm>
+      </p:grpSpPr>
+      <p:sp>
+        <p:nvSpPr>
+          <p:cNvPr id="2" name="Header Placeholder 1"/>
+          <p:cNvSpPr>
+            <a:spLocks noGrp="1"/>
+          </p:cNvSpPr>
+          <p:nvPr>
+            <p:ph type="hdr" sz="quarter"/>
+          </p:nvPr>
+        </p:nvSpPr>
+        <p:spPr>
+          <a:xfrm>
+            <a:off x="0" y="0"/>
+            <a:ext cx="2971800" cy="458788"/>
+          </a:xfrm>
+          <a:prstGeom prst="rect">
+            <a:avLst/>
+          </a:prstGeom>
+        </p:spPr>
+        <p:txBody>
+          <a:bodyPr vert="horz" lIns="91440" tIns="45720" rIns="91440" bIns="45720" rtlCol="0"/>
+          <a:lstStyle>
+            <a:lvl1pPr algn="l">
+              <a:defRPr sz="1200"/>
+            </a:lvl1pPr>
+          </a:lstStyle>
+          <a:p>
+            <a:endParaRPr lang="en-US"/>
+          </a:p>
+        </p:txBody>
+      </p:sp>
+      <p:sp>
+        <p:nvSpPr>
+          <p:cNvPr id="3" name="Date Placeholder 2"/>
+          <p:cNvSpPr>
+            <a:spLocks noGrp="1"/>
+          </p:cNvSpPr>
+          <p:nvPr>
+            <p:ph type="dt" idx="1"/>
+          </p:nvPr>
+        </p:nvSpPr>
+        <p:spPr>
+          <a:xfrm>
+            <a:off x="3884613" y="0"/>
+            <a:ext cx="2971800" cy="458788"/>
+          </a:xfrm>
+          <a:prstGeom prst="rect">
+            <a:avLst/>
+          </a:prstGeom>
+        </p:spPr>
+        <p:txBody>
+          <a:bodyPr vert="horz" lIns="91440" tIns="45720" rIns="91440" bIns="45720" rtlCol="0"/>
+          <a:lstStyle>
+            <a:lvl1pPr algn="r">
+              <a:defRPr sz="1200"/>
+            </a:lvl1pPr>
+          </a:lstStyle>
+          <a:p>
+            <a:fld id="{FB9DB999-7DE3-704F-BB12-50F33BF5750E}" type="datetimeFigureOut">
+              <a:rPr lang="en-US" smtClean="0"/>
+              <a:t>2/15/23</a:t>
+            </a:fld>
+            <a:endParaRPr lang="en-US"/>
+          </a:p>
+        </p:txBody>
+      </p:sp>
+      <p:sp>
+        <p:nvSpPr>
+          <p:cNvPr id="4" name="Slide Image Placeholder 3"/>
+          <p:cNvSpPr>
+            <a:spLocks noGrp="1" noRot="1" noChangeAspect="1"/>
+          </p:cNvSpPr>
+          <p:nvPr>
+            <p:ph type="sldImg" idx="2"/>
+          </p:nvPr>
+        </p:nvSpPr>
+        <p:spPr>
+          <a:xfrm>
+            <a:off x="685800" y="1143000"/>
+            <a:ext cx="5486400" cy="3086100"/>
+          </a:xfrm>
+          <a:prstGeom prst="rect">
+            <a:avLst/>
+          </a:prstGeom>
+          <a:noFill/>
+          <a:ln w="12700">
+            <a:solidFill>
+              <a:prstClr val="black"/>
+            </a:solidFill>
+          </a:ln>
+        </p:spPr>
+        <p:txBody>
+          <a:bodyPr vert="horz" lIns="91440" tIns="45720" rIns="91440" bIns="45720" rtlCol="0" anchor="ctr"/>
+          <a:lstStyle/>
+          <a:p>
+            <a:endParaRPr lang="en-US"/>
+          </a:p>
+        </p:txBody>
+      </p:sp>
+      <p:sp>
+        <p:nvSpPr>
+          <p:cNvPr id="5" name="Notes Placeholder 4"/>
+          <p:cNvSpPr>
+            <a:spLocks noGrp="1"/>
+          </p:cNvSpPr>
+          <p:nvPr>
+            <p:ph type="body" sz="quarter" idx="3"/>
+          </p:nvPr>
+        </p:nvSpPr>
+        <p:spPr>
+          <a:xfrm>
+            <a:off x="685800" y="4400550"/>
+            <a:ext cx="5486400" cy="3600450"/>
+          </a:xfrm>
+          <a:prstGeom prst="rect">
+            <a:avLst/>
+          </a:prstGeom>
+        </p:spPr>
+        <p:txBody>
+          <a:bodyPr vert="horz" lIns="91440" tIns="45720" rIns="91440" bIns="45720" rtlCol="0"/>
+          <a:lstStyle/>
+          <a:p>
+            <a:pPr lvl="0"/>
+            <a:r>
+              <a:rPr lang="en-GB"/>
+              <a:t>Click to edit Master text styles</a:t>
+            </a:r>
+          </a:p>
+          <a:p>
+            <a:pPr lvl="1"/>
+            <a:r>
+              <a:rPr lang="en-GB"/>
+              <a:t>Second level</a:t>
+            </a:r>
+          </a:p>
+          <a:p>
+            <a:pPr lvl="2"/>
+            <a:r>
+              <a:rPr lang="en-GB"/>
+              <a:t>Third level</a:t>
+            </a:r>
+          </a:p>
+          <a:p>
+            <a:pPr lvl="3"/>
+            <a:r>
+              <a:rPr lang="en-GB"/>
+              <a:t>Fourth level</a:t>
+            </a:r>
+          </a:p>
+          <a:p>
+            <a:pPr lvl="4"/>
+            <a:r>
+              <a:rPr lang="en-GB"/>
+              <a:t>Fifth level</a:t>
+            </a:r>
+            <a:endParaRPr lang="en-US"/>
+          </a:p>
+        </p:txBody>
+      </p:sp>
+      <p:sp>
+        <p:nvSpPr>
+          <p:cNvPr id="6" name="Footer Placeholder 5"/>
+          <p:cNvSpPr>
+            <a:spLocks noGrp="1"/>
+          </p:cNvSpPr>
+          <p:nvPr>
+            <p:ph type="ftr" sz="quarter" idx="4"/>
+          </p:nvPr>
+        </p:nvSpPr>
+        <p:spPr>
+          <a:xfrm>
+            <a:off x="0" y="8685213"/>
+            <a:ext cx="2971800" cy="458787"/>
+          </a:xfrm>
+          <a:prstGeom prst="rect">
+            <a:avLst/>
+          </a:prstGeom>
+        </p:spPr>
+        <p:txBody>
+          <a:bodyPr vert="horz" lIns="91440" tIns="45720" rIns="91440" bIns="45720" rtlCol="0" anchor="b"/>
+          <a:lstStyle>
+            <a:lvl1pPr algn="l">
+              <a:defRPr sz="1200"/>
+            </a:lvl1pPr>
+          </a:lstStyle>
+          <a:p>
+            <a:endParaRPr lang="en-US"/>
+          </a:p>
+        </p:txBody>
+      </p:sp>
+      <p:sp>
+        <p:nvSpPr>
+          <p:cNvPr id="7" name="Slide Number Placeholder 6"/>
+          <p:cNvSpPr>
+            <a:spLocks noGrp="1"/>
+          </p:cNvSpPr>
+          <p:nvPr>
+            <p:ph type="sldNum" sz="quarter" idx="5"/>
+          </p:nvPr>
+        </p:nvSpPr>
+        <p:spPr>
+          <a:xfrm>
+            <a:off x="3884613" y="8685213"/>
+            <a:ext cx="2971800" cy="458787"/>
+          </a:xfrm>
+          <a:prstGeom prst="rect">
+            <a:avLst/>
+          </a:prstGeom>
+        </p:spPr>
+        <p:txBody>
+          <a:bodyPr vert="horz" lIns="91440" tIns="45720" rIns="91440" bIns="45720" rtlCol="0" anchor="b"/>
+          <a:lstStyle>
+            <a:lvl1pPr algn="r">
+              <a:defRPr sz="1200"/>
+            </a:lvl1pPr>
+          </a:lstStyle>
+          <a:p>
+            <a:fld id="{B5877D3D-991B-394A-A367-2E7926A195FD}" type="slidenum">
+              <a:rPr lang="en-US" smtClean="0"/>
+              <a:t>‹#›</a:t>
+            </a:fld>
+            <a:endParaRPr lang="en-US"/>
+          </a:p>
+        </p:txBody>
+      </p:sp>
+    </p:spTree>
+    <p:extLst>
+      <p:ext uri="{BB962C8B-B14F-4D97-AF65-F5344CB8AC3E}">
+        <p14:creationId xmlns:p14="http://schemas.microsoft.com/office/powerpoint/2010/main" val="1627436321"/>
+      </p:ext>
+    </p:extLst>
+  </p:cSld>
+  <p:clrMap bg1="lt1" tx1="dk1" bg2="lt2" tx2="dk2" accent1="accent1" accent2="accent2" accent3="accent3" accent4="accent4" accent5="accent5" accent6="accent6" hlink="hlink" folHlink="folHlink"/>
+  <p:notesStyle>
+    <a:lvl1pPr marL="0" algn="l" defTabSz="914400" rtl="0" eaLnBrk="1" latinLnBrk="0" hangingPunct="1">
+      <a:defRPr sz="1200" kern="1200">
+        <a:solidFill>
+          <a:schemeClr val="tx1"/>
+        </a:solidFill>
+        <a:latin typeface="+mn-lt"/>
+        <a:ea typeface="+mn-ea"/>
+        <a:cs typeface="+mn-cs"/>
+      </a:defRPr>
+    </a:lvl1pPr>
+    <a:lvl2pPr marL="457200" algn="l" defTabSz="914400" rtl="0" eaLnBrk="1" latinLnBrk="0" hangingPunct="1">
+      <a:defRPr sz="1200" kern="1200">
+        <a:solidFill>
+          <a:schemeClr val="tx1"/>
+        </a:solidFill>
+        <a:latin typeface="+mn-lt"/>
+        <a:ea typeface="+mn-ea"/>
+        <a:cs typeface="+mn-cs"/>
+      </a:defRPr>
+    </a:lvl2pPr>
+    <a:lvl3pPr marL="914400" algn="l" defTabSz="914400" rtl="0" eaLnBrk="1" latinLnBrk="0" hangingPunct="1">
+      <a:defRPr sz="1200" kern="1200">
+        <a:solidFill>
+          <a:schemeClr val="tx1"/>
+        </a:solidFill>
+        <a:latin typeface="+mn-lt"/>
+        <a:ea typeface="+mn-ea"/>
+        <a:cs typeface="+mn-cs"/>
+      </a:defRPr>
+    </a:lvl3pPr>
+    <a:lvl4pPr marL="1371600" algn="l" defTabSz="914400" rtl="0" eaLnBrk="1" latinLnBrk="0" hangingPunct="1">
+      <a:defRPr sz="1200" kern="1200">
+        <a:solidFill>
+          <a:schemeClr val="tx1"/>
+        </a:solidFill>
+        <a:latin typeface="+mn-lt"/>
+        <a:ea typeface="+mn-ea"/>
+        <a:cs typeface="+mn-cs"/>
+      </a:defRPr>
+    </a:lvl4pPr>
+    <a:lvl5pPr marL="1828800" algn="l" defTabSz="914400" rtl="0" eaLnBrk="1" latinLnBrk="0" hangingPunct="1">
+      <a:defRPr sz="1200" kern="1200">
+        <a:solidFill>
+          <a:schemeClr val="tx1"/>
+        </a:solidFill>
+        <a:latin typeface="+mn-lt"/>
+        <a:ea typeface="+mn-ea"/>
+        <a:cs typeface="+mn-cs"/>
+      </a:defRPr>
+    </a:lvl5pPr>
+    <a:lvl6pPr marL="2286000" algn="l" defTabSz="914400" rtl="0" eaLnBrk="1" latinLnBrk="0" hangingPunct="1">
+      <a:defRPr sz="1200" kern="1200">
+        <a:solidFill>
+          <a:schemeClr val="tx1"/>
+        </a:solidFill>
+        <a:latin typeface="+mn-lt"/>
+        <a:ea typeface="+mn-ea"/>
+        <a:cs typeface="+mn-cs"/>
+      </a:defRPr>
+    </a:lvl6pPr>
+    <a:lvl7pPr marL="2743200" algn="l" defTabSz="914400" rtl="0" eaLnBrk="1" latinLnBrk="0" hangingPunct="1">
+      <a:defRPr sz="1200" kern="1200">
+        <a:solidFill>
+          <a:schemeClr val="tx1"/>
+        </a:solidFill>
+        <a:latin typeface="+mn-lt"/>
+        <a:ea typeface="+mn-ea"/>
+        <a:cs typeface="+mn-cs"/>
+      </a:defRPr>
+    </a:lvl7pPr>
+    <a:lvl8pPr marL="3200400" algn="l" defTabSz="914400" rtl="0" eaLnBrk="1" latinLnBrk="0" hangingPunct="1">
+      <a:defRPr sz="1200" kern="1200">
+        <a:solidFill>
+          <a:schemeClr val="tx1"/>
+        </a:solidFill>
+        <a:latin typeface="+mn-lt"/>
+        <a:ea typeface="+mn-ea"/>
+        <a:cs typeface="+mn-cs"/>
+      </a:defRPr>
+    </a:lvl8pPr>
+    <a:lvl9pPr marL="3657600" algn="l" defTabSz="914400" rtl="0" eaLnBrk="1" latinLnBrk="0" hangingPunct="1">
+      <a:defRPr sz="1200" kern="1200">
+        <a:solidFill>
+          <a:schemeClr val="tx1"/>
+        </a:solidFill>
+        <a:latin typeface="+mn-lt"/>
+        <a:ea typeface="+mn-ea"/>
+        <a:cs typeface="+mn-cs"/>
+      </a:defRPr>
+    </a:lvl9pPr>
+  </p:notesStyle>
+</p:notesMaster>
+</file>
+
+<file path=ppt/notesSlides/notesSlide1.xml><?xml version="1.0" encoding="utf-8"?>
+<p:notes xmlns:a="http://schemas.openxmlformats.org/drawingml/2006/main" xmlns:r="http://schemas.openxmlformats.org/officeDocument/2006/relationships" xmlns:p="http://schemas.openxmlformats.org/presentationml/2006/main">
+  <p:cSld>
+    <p:spTree>
+      <p:nvGrpSpPr>
+        <p:cNvPr id="1" name=""/>
+        <p:cNvGrpSpPr/>
+        <p:nvPr/>
+      </p:nvGrpSpPr>
+      <p:grpSpPr>
+        <a:xfrm>
+          <a:off x="0" y="0"/>
+          <a:ext cx="0" cy="0"/>
+          <a:chOff x="0" y="0"/>
+          <a:chExt cx="0" cy="0"/>
+        </a:xfrm>
+      </p:grpSpPr>
+      <p:sp>
+        <p:nvSpPr>
+          <p:cNvPr id="2" name="Slide Image Placeholder 1"/>
+          <p:cNvSpPr>
+            <a:spLocks noGrp="1" noRot="1" noChangeAspect="1"/>
+          </p:cNvSpPr>
+          <p:nvPr>
+            <p:ph type="sldImg"/>
+          </p:nvPr>
+        </p:nvSpPr>
+        <p:spPr/>
+      </p:sp>
+      <p:sp>
+        <p:nvSpPr>
+          <p:cNvPr id="3" name="Notes Placeholder 2"/>
+          <p:cNvSpPr>
+            <a:spLocks noGrp="1"/>
+          </p:cNvSpPr>
+          <p:nvPr>
+            <p:ph type="body" idx="1"/>
+          </p:nvPr>
+        </p:nvSpPr>
+        <p:spPr/>
+        <p:txBody>
+          <a:bodyPr/>
+          <a:lstStyle/>
+          <a:p>
+            <a:pPr algn="l">
+              <a:buFont typeface="+mj-lt"/>
+              <a:buAutoNum type="arabicPeriod"/>
+            </a:pPr>
+            <a:r>
+              <a:rPr lang="en-US" b="0" i="0" dirty="0">
+                <a:solidFill>
+                  <a:srgbClr val="C9D1D9"/>
+                </a:solidFill>
+                <a:effectLst/>
+                <a:latin typeface="-apple-system"/>
+              </a:rPr>
+              <a:t>We can observe from the data that the young adults and adults suffer greater levels of anxiety and depression compared to teenagers. This analysis makes sense in the context that adults may have more stressors such as work, school, billings, healthcare, etc. It makes sense for teenagers to also suffer from high levels of anxiety, but having fewer </a:t>
+            </a:r>
+            <a:r>
+              <a:rPr lang="en-US" b="0" i="0" dirty="0" err="1">
+                <a:solidFill>
+                  <a:srgbClr val="C9D1D9"/>
+                </a:solidFill>
+                <a:effectLst/>
+                <a:latin typeface="-apple-system"/>
+              </a:rPr>
+              <a:t>responsiblities</a:t>
+            </a:r>
+            <a:r>
+              <a:rPr lang="en-US" b="0" i="0" dirty="0">
+                <a:solidFill>
+                  <a:srgbClr val="C9D1D9"/>
+                </a:solidFill>
+                <a:effectLst/>
+                <a:latin typeface="-apple-system"/>
+              </a:rPr>
+              <a:t> while at school-age. For further analysis, I'd want to look at how music impacts the level of anxiety and depression while performing specific tasks. If someone listens to music while doing school work, what's their self-reported severity of mental illness during those times. Doing this could provide more insight on how music impacts these mental illnesses.</a:t>
+            </a:r>
+          </a:p>
+          <a:p>
+            <a:endParaRPr lang="en-US" dirty="0"/>
+          </a:p>
+        </p:txBody>
+      </p:sp>
+      <p:sp>
+        <p:nvSpPr>
+          <p:cNvPr id="4" name="Slide Number Placeholder 3"/>
+          <p:cNvSpPr>
+            <a:spLocks noGrp="1"/>
+          </p:cNvSpPr>
+          <p:nvPr>
+            <p:ph type="sldNum" sz="quarter" idx="5"/>
+          </p:nvPr>
+        </p:nvSpPr>
+        <p:spPr/>
+        <p:txBody>
+          <a:bodyPr/>
+          <a:lstStyle/>
+          <a:p>
+            <a:fld id="{B5877D3D-991B-394A-A367-2E7926A195FD}" type="slidenum">
+              <a:rPr lang="en-US" smtClean="0"/>
+              <a:t>9</a:t>
+            </a:fld>
+            <a:endParaRPr lang="en-US"/>
+          </a:p>
+        </p:txBody>
+      </p:sp>
+    </p:spTree>
+    <p:extLst>
+      <p:ext uri="{BB962C8B-B14F-4D97-AF65-F5344CB8AC3E}">
+        <p14:creationId xmlns:p14="http://schemas.microsoft.com/office/powerpoint/2010/main" val="793069627"/>
+      </p:ext>
+    </p:extLst>
+  </p:cSld>
+  <p:clrMapOvr>
+    <a:masterClrMapping/>
+  </p:clrMapOvr>
+</p:notes>
+</file>
+
+<file path=ppt/notesSlides/notesSlide2.xml><?xml version="1.0" encoding="utf-8"?>
+<p:notes xmlns:a="http://schemas.openxmlformats.org/drawingml/2006/main" xmlns:r="http://schemas.openxmlformats.org/officeDocument/2006/relationships" xmlns:p="http://schemas.openxmlformats.org/presentationml/2006/main">
+  <p:cSld>
+    <p:spTree>
+      <p:nvGrpSpPr>
+        <p:cNvPr id="1" name=""/>
+        <p:cNvGrpSpPr/>
+        <p:nvPr/>
+      </p:nvGrpSpPr>
+      <p:grpSpPr>
+        <a:xfrm>
+          <a:off x="0" y="0"/>
+          <a:ext cx="0" cy="0"/>
+          <a:chOff x="0" y="0"/>
+          <a:chExt cx="0" cy="0"/>
+        </a:xfrm>
+      </p:grpSpPr>
+      <p:sp>
+        <p:nvSpPr>
+          <p:cNvPr id="2" name="Slide Image Placeholder 1"/>
+          <p:cNvSpPr>
+            <a:spLocks noGrp="1" noRot="1" noChangeAspect="1"/>
+          </p:cNvSpPr>
+          <p:nvPr>
+            <p:ph type="sldImg"/>
+          </p:nvPr>
+        </p:nvSpPr>
+        <p:spPr/>
+      </p:sp>
+      <p:sp>
+        <p:nvSpPr>
+          <p:cNvPr id="3" name="Notes Placeholder 2"/>
+          <p:cNvSpPr>
+            <a:spLocks noGrp="1"/>
+          </p:cNvSpPr>
+          <p:nvPr>
+            <p:ph type="body" idx="1"/>
+          </p:nvPr>
+        </p:nvSpPr>
+        <p:spPr/>
+        <p:txBody>
+          <a:bodyPr/>
+          <a:lstStyle/>
+          <a:p>
+            <a:r>
+              <a:rPr lang="en-US" b="0" i="0" dirty="0">
+                <a:solidFill>
+                  <a:srgbClr val="C9D1D9"/>
+                </a:solidFill>
+                <a:effectLst/>
+                <a:latin typeface="-apple-system"/>
+              </a:rPr>
+              <a:t>We can see higher levels of anxiety and depression all at tempos, but that also reflects our analysis in the previous question. We see high levels of anxiety and depression compared to insomnia and OCD. There could be little information to be </a:t>
+            </a:r>
+            <a:r>
+              <a:rPr lang="en-US" b="0" i="0" dirty="0" err="1">
+                <a:solidFill>
+                  <a:srgbClr val="C9D1D9"/>
+                </a:solidFill>
+                <a:effectLst/>
+                <a:latin typeface="-apple-system"/>
+              </a:rPr>
+              <a:t>gatheedr</a:t>
+            </a:r>
+            <a:r>
+              <a:rPr lang="en-US" b="0" i="0" dirty="0">
+                <a:solidFill>
+                  <a:srgbClr val="C9D1D9"/>
+                </a:solidFill>
+                <a:effectLst/>
+                <a:latin typeface="-apple-system"/>
+              </a:rPr>
+              <a:t> from future analysis. However, if we want to evaluate tempo, we could look at specific favorite songs or if people have </a:t>
+            </a:r>
+            <a:r>
+              <a:rPr lang="en-US" b="0" i="0" dirty="0" err="1">
+                <a:solidFill>
+                  <a:srgbClr val="C9D1D9"/>
+                </a:solidFill>
+                <a:effectLst/>
+                <a:latin typeface="-apple-system"/>
+              </a:rPr>
+              <a:t>prefered</a:t>
+            </a:r>
+            <a:r>
+              <a:rPr lang="en-US" b="0" i="0" dirty="0">
+                <a:solidFill>
+                  <a:srgbClr val="C9D1D9"/>
+                </a:solidFill>
+                <a:effectLst/>
+                <a:latin typeface="-apple-system"/>
+              </a:rPr>
+              <a:t> songs while </a:t>
+            </a:r>
+            <a:r>
+              <a:rPr lang="en-US" b="0" i="0" dirty="0" err="1">
+                <a:solidFill>
+                  <a:srgbClr val="C9D1D9"/>
+                </a:solidFill>
+                <a:effectLst/>
+                <a:latin typeface="-apple-system"/>
+              </a:rPr>
+              <a:t>expereince</a:t>
+            </a:r>
+            <a:r>
+              <a:rPr lang="en-US" b="0" i="0" dirty="0">
+                <a:solidFill>
+                  <a:srgbClr val="C9D1D9"/>
+                </a:solidFill>
+                <a:effectLst/>
+                <a:latin typeface="-apple-system"/>
+              </a:rPr>
+              <a:t> higher levels of mental illness. From this, we could potentially see if there is a relationship between specific instances of high mental illness and music.</a:t>
+            </a:r>
+            <a:endParaRPr lang="en-US" dirty="0"/>
+          </a:p>
+        </p:txBody>
+      </p:sp>
+      <p:sp>
+        <p:nvSpPr>
+          <p:cNvPr id="4" name="Slide Number Placeholder 3"/>
+          <p:cNvSpPr>
+            <a:spLocks noGrp="1"/>
+          </p:cNvSpPr>
+          <p:nvPr>
+            <p:ph type="sldNum" sz="quarter" idx="5"/>
+          </p:nvPr>
+        </p:nvSpPr>
+        <p:spPr/>
+        <p:txBody>
+          <a:bodyPr/>
+          <a:lstStyle/>
+          <a:p>
+            <a:fld id="{B5877D3D-991B-394A-A367-2E7926A195FD}" type="slidenum">
+              <a:rPr lang="en-US" smtClean="0"/>
+              <a:t>10</a:t>
+            </a:fld>
+            <a:endParaRPr lang="en-US"/>
+          </a:p>
+        </p:txBody>
+      </p:sp>
+    </p:spTree>
+    <p:extLst>
+      <p:ext uri="{BB962C8B-B14F-4D97-AF65-F5344CB8AC3E}">
+        <p14:creationId xmlns:p14="http://schemas.microsoft.com/office/powerpoint/2010/main" val="3865292088"/>
+      </p:ext>
+    </p:extLst>
+  </p:cSld>
+  <p:clrMapOvr>
+    <a:masterClrMapping/>
+  </p:clrMapOvr>
+</p:notes>
+</file>
+
 <file path=ppt/slideLayouts/slideLayout1.xml><?xml version="1.0" encoding="utf-8"?>
 <p:sldLayout xmlns:a="http://schemas.openxmlformats.org/drawingml/2006/main" xmlns:r="http://schemas.openxmlformats.org/officeDocument/2006/relationships" xmlns:p="http://schemas.openxmlformats.org/presentationml/2006/main" showMasterSp="0" type="title" preserve="1">
   <p:cSld name="Title Slide">
@@ -490,7 +1117,7 @@
           <a:p>
             <a:fld id="{BE94B661-2FCF-4C7C-A5BD-36F0E944ECAA}" type="datetimeFigureOut">
               <a:rPr lang="en-US" smtClean="0"/>
-              <a:t>2/15/2023</a:t>
+              <a:t>2/15/23</a:t>
             </a:fld>
             <a:endParaRPr lang="en-US"/>
           </a:p>
@@ -1578,7 +2205,7 @@
           <a:p>
             <a:fld id="{BE94B661-2FCF-4C7C-A5BD-36F0E944ECAA}" type="datetimeFigureOut">
               <a:rPr lang="en-US" smtClean="0"/>
-              <a:t>2/15/2023</a:t>
+              <a:t>2/15/23</a:t>
             </a:fld>
             <a:endParaRPr lang="en-US"/>
           </a:p>
@@ -2558,7 +3185,7 @@
           <a:p>
             <a:fld id="{BE94B661-2FCF-4C7C-A5BD-36F0E944ECAA}" type="datetimeFigureOut">
               <a:rPr lang="en-US" smtClean="0"/>
-              <a:t>2/15/2023</a:t>
+              <a:t>2/15/23</a:t>
             </a:fld>
             <a:endParaRPr lang="en-US"/>
           </a:p>
@@ -3692,7 +4319,7 @@
           <a:p>
             <a:fld id="{BE94B661-2FCF-4C7C-A5BD-36F0E944ECAA}" type="datetimeFigureOut">
               <a:rPr lang="en-US" smtClean="0"/>
-              <a:t>2/15/2023</a:t>
+              <a:t>2/15/23</a:t>
             </a:fld>
             <a:endParaRPr lang="en-US"/>
           </a:p>
@@ -4725,7 +5352,7 @@
           <a:p>
             <a:fld id="{BE94B661-2FCF-4C7C-A5BD-36F0E944ECAA}" type="datetimeFigureOut">
               <a:rPr lang="en-US" smtClean="0"/>
-              <a:t>2/15/2023</a:t>
+              <a:t>2/15/23</a:t>
             </a:fld>
             <a:endParaRPr lang="en-US"/>
           </a:p>
@@ -5385,7 +6012,7 @@
           <a:p>
             <a:fld id="{BE94B661-2FCF-4C7C-A5BD-36F0E944ECAA}" type="datetimeFigureOut">
               <a:rPr lang="en-US" smtClean="0"/>
-              <a:t>2/15/2023</a:t>
+              <a:t>2/15/23</a:t>
             </a:fld>
             <a:endParaRPr lang="en-US"/>
           </a:p>
@@ -6246,7 +6873,7 @@
           <a:p>
             <a:fld id="{BE94B661-2FCF-4C7C-A5BD-36F0E944ECAA}" type="datetimeFigureOut">
               <a:rPr lang="en-US" smtClean="0"/>
-              <a:t>2/15/2023</a:t>
+              <a:t>2/15/23</a:t>
             </a:fld>
             <a:endParaRPr lang="en-US"/>
           </a:p>
@@ -6436,7 +7063,7 @@
           <a:p>
             <a:fld id="{BE94B661-2FCF-4C7C-A5BD-36F0E944ECAA}" type="datetimeFigureOut">
               <a:rPr lang="en-US" smtClean="0"/>
-              <a:t>2/15/2023</a:t>
+              <a:t>2/15/23</a:t>
             </a:fld>
             <a:endParaRPr lang="en-US"/>
           </a:p>
@@ -7408,7 +8035,7 @@
           <a:p>
             <a:fld id="{BE94B661-2FCF-4C7C-A5BD-36F0E944ECAA}" type="datetimeFigureOut">
               <a:rPr lang="en-US" smtClean="0"/>
-              <a:t>2/15/2023</a:t>
+              <a:t>2/15/23</a:t>
             </a:fld>
             <a:endParaRPr lang="en-US"/>
           </a:p>
@@ -7619,7 +8246,7 @@
           <a:p>
             <a:fld id="{BE94B661-2FCF-4C7C-A5BD-36F0E944ECAA}" type="datetimeFigureOut">
               <a:rPr lang="en-US" smtClean="0"/>
-              <a:t>2/15/2023</a:t>
+              <a:t>2/15/23</a:t>
             </a:fld>
             <a:endParaRPr lang="en-US"/>
           </a:p>
@@ -8653,7 +9280,7 @@
           <a:p>
             <a:fld id="{BE94B661-2FCF-4C7C-A5BD-36F0E944ECAA}" type="datetimeFigureOut">
               <a:rPr lang="en-US" smtClean="0"/>
-              <a:t>2/15/2023</a:t>
+              <a:t>2/15/23</a:t>
             </a:fld>
             <a:endParaRPr lang="en-US"/>
           </a:p>
@@ -8925,7 +9552,7 @@
           <a:p>
             <a:fld id="{BE94B661-2FCF-4C7C-A5BD-36F0E944ECAA}" type="datetimeFigureOut">
               <a:rPr lang="en-US" smtClean="0"/>
-              <a:t>2/15/2023</a:t>
+              <a:t>2/15/23</a:t>
             </a:fld>
             <a:endParaRPr lang="en-US"/>
           </a:p>
@@ -9335,7 +9962,7 @@
           <a:p>
             <a:fld id="{BE94B661-2FCF-4C7C-A5BD-36F0E944ECAA}" type="datetimeFigureOut">
               <a:rPr lang="en-US" smtClean="0"/>
-              <a:t>2/15/2023</a:t>
+              <a:t>2/15/23</a:t>
             </a:fld>
             <a:endParaRPr lang="en-US"/>
           </a:p>
@@ -9462,7 +10089,7 @@
           <a:p>
             <a:fld id="{BE94B661-2FCF-4C7C-A5BD-36F0E944ECAA}" type="datetimeFigureOut">
               <a:rPr lang="en-US" smtClean="0"/>
-              <a:t>2/15/2023</a:t>
+              <a:t>2/15/23</a:t>
             </a:fld>
             <a:endParaRPr lang="en-US"/>
           </a:p>
@@ -9557,7 +10184,7 @@
           <a:p>
             <a:fld id="{BE94B661-2FCF-4C7C-A5BD-36F0E944ECAA}" type="datetimeFigureOut">
               <a:rPr lang="en-US" smtClean="0"/>
-              <a:t>2/15/2023</a:t>
+              <a:t>2/15/23</a:t>
             </a:fld>
             <a:endParaRPr lang="en-US"/>
           </a:p>
@@ -10638,7 +11265,7 @@
           <a:p>
             <a:fld id="{BE94B661-2FCF-4C7C-A5BD-36F0E944ECAA}" type="datetimeFigureOut">
               <a:rPr lang="en-US" smtClean="0"/>
-              <a:t>2/15/2023</a:t>
+              <a:t>2/15/23</a:t>
             </a:fld>
             <a:endParaRPr lang="en-US"/>
           </a:p>
@@ -11746,7 +12373,7 @@
           <a:p>
             <a:fld id="{BE94B661-2FCF-4C7C-A5BD-36F0E944ECAA}" type="datetimeFigureOut">
               <a:rPr lang="en-US" smtClean="0"/>
-              <a:t>2/15/2023</a:t>
+              <a:t>2/15/23</a:t>
             </a:fld>
             <a:endParaRPr lang="en-US"/>
           </a:p>
@@ -12743,7 +13370,7 @@
           <a:p>
             <a:fld id="{BE94B661-2FCF-4C7C-A5BD-36F0E944ECAA}" type="datetimeFigureOut">
               <a:rPr lang="en-US" smtClean="0"/>
-              <a:t>2/15/2023</a:t>
+              <a:t>2/15/23</a:t>
             </a:fld>
             <a:endParaRPr lang="en-US"/>
           </a:p>
@@ -13484,7 +14111,7 @@
           <p:nvPr/>
         </p:nvPicPr>
         <p:blipFill>
-          <a:blip r:embed="rId2"/>
+          <a:blip r:embed="rId3"/>
           <a:stretch>
             <a:fillRect/>
           </a:stretch>
@@ -13514,7 +14141,7 @@
           <p:nvPr/>
         </p:nvPicPr>
         <p:blipFill>
-          <a:blip r:embed="rId3"/>
+          <a:blip r:embed="rId4"/>
           <a:stretch>
             <a:fillRect/>
           </a:stretch>
@@ -18323,7 +18950,7 @@
           <p:nvPr/>
         </p:nvPicPr>
         <p:blipFill>
-          <a:blip r:embed="rId2"/>
+          <a:blip r:embed="rId3"/>
           <a:stretch>
             <a:fillRect/>
           </a:stretch>
@@ -18727,4 +19354,299 @@
     </a:ext>
   </a:extLst>
 </a:theme>
+</file>
+
+<file path=ppt/theme/theme2.xml><?xml version="1.0" encoding="utf-8"?>
+<a:theme xmlns:a="http://schemas.openxmlformats.org/drawingml/2006/main" name="Office Theme">
+  <a:themeElements>
+    <a:clrScheme name="Office">
+      <a:dk1>
+        <a:sysClr val="windowText" lastClr="000000"/>
+      </a:dk1>
+      <a:lt1>
+        <a:sysClr val="window" lastClr="FFFFFF"/>
+      </a:lt1>
+      <a:dk2>
+        <a:srgbClr val="44546A"/>
+      </a:dk2>
+      <a:lt2>
+        <a:srgbClr val="E7E6E6"/>
+      </a:lt2>
+      <a:accent1>
+        <a:srgbClr val="4472C4"/>
+      </a:accent1>
+      <a:accent2>
+        <a:srgbClr val="ED7D31"/>
+      </a:accent2>
+      <a:accent3>
+        <a:srgbClr val="A5A5A5"/>
+      </a:accent3>
+      <a:accent4>
+        <a:srgbClr val="FFC000"/>
+      </a:accent4>
+      <a:accent5>
+        <a:srgbClr val="5B9BD5"/>
+      </a:accent5>
+      <a:accent6>
+        <a:srgbClr val="70AD47"/>
+      </a:accent6>
+      <a:hlink>
+        <a:srgbClr val="0563C1"/>
+      </a:hlink>
+      <a:folHlink>
+        <a:srgbClr val="954F72"/>
+      </a:folHlink>
+    </a:clrScheme>
+    <a:fontScheme name="Office">
+      <a:majorFont>
+        <a:latin typeface="Calibri Light" panose="020F0302020204030204"/>
+        <a:ea typeface=""/>
+        <a:cs typeface=""/>
+        <a:font script="Jpan" typeface="游ゴシック Light"/>
+        <a:font script="Hang" typeface="맑은 고딕"/>
+        <a:font script="Hans" typeface="等线 Light"/>
+        <a:font script="Hant" typeface="新細明體"/>
+        <a:font script="Arab" typeface="Times New Roman"/>
+        <a:font script="Hebr" typeface="Times New Roman"/>
+        <a:font script="Thai" typeface="Angsana New"/>
+        <a:font script="Ethi" typeface="Nyala"/>
+        <a:font script="Beng" typeface="Vrinda"/>
+        <a:font script="Gujr" typeface="Shruti"/>
+        <a:font script="Khmr" typeface="MoolBoran"/>
+        <a:font script="Knda" typeface="Tunga"/>
+        <a:font script="Guru" typeface="Raavi"/>
+        <a:font script="Cans" typeface="Euphemia"/>
+        <a:font script="Cher" typeface="Plantagenet Cherokee"/>
+        <a:font script="Yiii" typeface="Microsoft Yi Baiti"/>
+        <a:font script="Tibt" typeface="Microsoft Himalaya"/>
+        <a:font script="Thaa" typeface="MV Boli"/>
+        <a:font script="Deva" typeface="Mangal"/>
+        <a:font script="Telu" typeface="Gautami"/>
+        <a:font script="Taml" typeface="Latha"/>
+        <a:font script="Syrc" typeface="Estrangelo Edessa"/>
+        <a:font script="Orya" typeface="Kalinga"/>
+        <a:font script="Mlym" typeface="Kartika"/>
+        <a:font script="Laoo" typeface="DokChampa"/>
+        <a:font script="Sinh" typeface="Iskoola Pota"/>
+        <a:font script="Mong" typeface="Mongolian Baiti"/>
+        <a:font script="Viet" typeface="Times New Roman"/>
+        <a:font script="Uigh" typeface="Microsoft Uighur"/>
+        <a:font script="Geor" typeface="Sylfaen"/>
+        <a:font script="Armn" typeface="Arial"/>
+        <a:font script="Bugi" typeface="Leelawadee UI"/>
+        <a:font script="Bopo" typeface="Microsoft JhengHei"/>
+        <a:font script="Java" typeface="Javanese Text"/>
+        <a:font script="Lisu" typeface="Segoe UI"/>
+        <a:font script="Mymr" typeface="Myanmar Text"/>
+        <a:font script="Nkoo" typeface="Ebrima"/>
+        <a:font script="Olck" typeface="Nirmala UI"/>
+        <a:font script="Osma" typeface="Ebrima"/>
+        <a:font script="Phag" typeface="Phagspa"/>
+        <a:font script="Syrn" typeface="Estrangelo Edessa"/>
+        <a:font script="Syrj" typeface="Estrangelo Edessa"/>
+        <a:font script="Syre" typeface="Estrangelo Edessa"/>
+        <a:font script="Sora" typeface="Nirmala UI"/>
+        <a:font script="Tale" typeface="Microsoft Tai Le"/>
+        <a:font script="Talu" typeface="Microsoft New Tai Lue"/>
+        <a:font script="Tfng" typeface="Ebrima"/>
+      </a:majorFont>
+      <a:minorFont>
+        <a:latin typeface="Calibri" panose="020F0502020204030204"/>
+        <a:ea typeface=""/>
+        <a:cs typeface=""/>
+        <a:font script="Jpan" typeface="游ゴシック"/>
+        <a:font script="Hang" typeface="맑은 고딕"/>
+        <a:font script="Hans" typeface="等线"/>
+        <a:font script="Hant" typeface="新細明體"/>
+        <a:font script="Arab" typeface="Arial"/>
+        <a:font script="Hebr" typeface="Arial"/>
+        <a:font script="Thai" typeface="Cordia New"/>
+        <a:font script="Ethi" typeface="Nyala"/>
+        <a:font script="Beng" typeface="Vrinda"/>
+        <a:font script="Gujr" typeface="Shruti"/>
+        <a:font script="Khmr" typeface="DaunPenh"/>
+        <a:font script="Knda" typeface="Tunga"/>
+        <a:font script="Guru" typeface="Raavi"/>
+        <a:font script="Cans" typeface="Euphemia"/>
+        <a:font script="Cher" typeface="Plantagenet Cherokee"/>
+        <a:font script="Yiii" typeface="Microsoft Yi Baiti"/>
+        <a:font script="Tibt" typeface="Microsoft Himalaya"/>
+        <a:font script="Thaa" typeface="MV Boli"/>
+        <a:font script="Deva" typeface="Mangal"/>
+        <a:font script="Telu" typeface="Gautami"/>
+        <a:font script="Taml" typeface="Latha"/>
+        <a:font script="Syrc" typeface="Estrangelo Edessa"/>
+        <a:font script="Orya" typeface="Kalinga"/>
+        <a:font script="Mlym" typeface="Kartika"/>
+        <a:font script="Laoo" typeface="DokChampa"/>
+        <a:font script="Sinh" typeface="Iskoola Pota"/>
+        <a:font script="Mong" typeface="Mongolian Baiti"/>
+        <a:font script="Viet" typeface="Arial"/>
+        <a:font script="Uigh" typeface="Microsoft Uighur"/>
+        <a:font script="Geor" typeface="Sylfaen"/>
+        <a:font script="Armn" typeface="Arial"/>
+        <a:font script="Bugi" typeface="Leelawadee UI"/>
+        <a:font script="Bopo" typeface="Microsoft JhengHei"/>
+        <a:font script="Java" typeface="Javanese Text"/>
+        <a:font script="Lisu" typeface="Segoe UI"/>
+        <a:font script="Mymr" typeface="Myanmar Text"/>
+        <a:font script="Nkoo" typeface="Ebrima"/>
+        <a:font script="Olck" typeface="Nirmala UI"/>
+        <a:font script="Osma" typeface="Ebrima"/>
+        <a:font script="Phag" typeface="Phagspa"/>
+        <a:font script="Syrn" typeface="Estrangelo Edessa"/>
+        <a:font script="Syrj" typeface="Estrangelo Edessa"/>
+        <a:font script="Syre" typeface="Estrangelo Edessa"/>
+        <a:font script="Sora" typeface="Nirmala UI"/>
+        <a:font script="Tale" typeface="Microsoft Tai Le"/>
+        <a:font script="Talu" typeface="Microsoft New Tai Lue"/>
+        <a:font script="Tfng" typeface="Ebrima"/>
+      </a:minorFont>
+    </a:fontScheme>
+    <a:fmtScheme name="Office">
+      <a:fillStyleLst>
+        <a:solidFill>
+          <a:schemeClr val="phClr"/>
+        </a:solidFill>
+        <a:gradFill rotWithShape="1">
+          <a:gsLst>
+            <a:gs pos="0">
+              <a:schemeClr val="phClr">
+                <a:lumMod val="110000"/>
+                <a:satMod val="105000"/>
+                <a:tint val="67000"/>
+              </a:schemeClr>
+            </a:gs>
+            <a:gs pos="50000">
+              <a:schemeClr val="phClr">
+                <a:lumMod val="105000"/>
+                <a:satMod val="103000"/>
+                <a:tint val="73000"/>
+              </a:schemeClr>
+            </a:gs>
+            <a:gs pos="100000">
+              <a:schemeClr val="phClr">
+                <a:lumMod val="105000"/>
+                <a:satMod val="109000"/>
+                <a:tint val="81000"/>
+              </a:schemeClr>
+            </a:gs>
+          </a:gsLst>
+          <a:lin ang="5400000" scaled="0"/>
+        </a:gradFill>
+        <a:gradFill rotWithShape="1">
+          <a:gsLst>
+            <a:gs pos="0">
+              <a:schemeClr val="phClr">
+                <a:satMod val="103000"/>
+                <a:lumMod val="102000"/>
+                <a:tint val="94000"/>
+              </a:schemeClr>
+            </a:gs>
+            <a:gs pos="50000">
+              <a:schemeClr val="phClr">
+                <a:satMod val="110000"/>
+                <a:lumMod val="100000"/>
+                <a:shade val="100000"/>
+              </a:schemeClr>
+            </a:gs>
+            <a:gs pos="100000">
+              <a:schemeClr val="phClr">
+                <a:lumMod val="99000"/>
+                <a:satMod val="120000"/>
+                <a:shade val="78000"/>
+              </a:schemeClr>
+            </a:gs>
+          </a:gsLst>
+          <a:lin ang="5400000" scaled="0"/>
+        </a:gradFill>
+      </a:fillStyleLst>
+      <a:lnStyleLst>
+        <a:ln w="6350" cap="flat" cmpd="sng" algn="ctr">
+          <a:solidFill>
+            <a:schemeClr val="phClr"/>
+          </a:solidFill>
+          <a:prstDash val="solid"/>
+          <a:miter lim="800000"/>
+        </a:ln>
+        <a:ln w="12700" cap="flat" cmpd="sng" algn="ctr">
+          <a:solidFill>
+            <a:schemeClr val="phClr"/>
+          </a:solidFill>
+          <a:prstDash val="solid"/>
+          <a:miter lim="800000"/>
+        </a:ln>
+        <a:ln w="19050" cap="flat" cmpd="sng" algn="ctr">
+          <a:solidFill>
+            <a:schemeClr val="phClr"/>
+          </a:solidFill>
+          <a:prstDash val="solid"/>
+          <a:miter lim="800000"/>
+        </a:ln>
+      </a:lnStyleLst>
+      <a:effectStyleLst>
+        <a:effectStyle>
+          <a:effectLst/>
+        </a:effectStyle>
+        <a:effectStyle>
+          <a:effectLst/>
+        </a:effectStyle>
+        <a:effectStyle>
+          <a:effectLst>
+            <a:outerShdw blurRad="57150" dist="19050" dir="5400000" algn="ctr" rotWithShape="0">
+              <a:srgbClr val="000000">
+                <a:alpha val="63000"/>
+              </a:srgbClr>
+            </a:outerShdw>
+          </a:effectLst>
+        </a:effectStyle>
+      </a:effectStyleLst>
+      <a:bgFillStyleLst>
+        <a:solidFill>
+          <a:schemeClr val="phClr"/>
+        </a:solidFill>
+        <a:solidFill>
+          <a:schemeClr val="phClr">
+            <a:tint val="95000"/>
+            <a:satMod val="170000"/>
+          </a:schemeClr>
+        </a:solidFill>
+        <a:gradFill rotWithShape="1">
+          <a:gsLst>
+            <a:gs pos="0">
+              <a:schemeClr val="phClr">
+                <a:tint val="93000"/>
+                <a:satMod val="150000"/>
+                <a:shade val="98000"/>
+                <a:lumMod val="102000"/>
+              </a:schemeClr>
+            </a:gs>
+            <a:gs pos="50000">
+              <a:schemeClr val="phClr">
+                <a:tint val="98000"/>
+                <a:satMod val="130000"/>
+                <a:shade val="90000"/>
+                <a:lumMod val="103000"/>
+              </a:schemeClr>
+            </a:gs>
+            <a:gs pos="100000">
+              <a:schemeClr val="phClr">
+                <a:shade val="63000"/>
+                <a:satMod val="120000"/>
+              </a:schemeClr>
+            </a:gs>
+          </a:gsLst>
+          <a:lin ang="5400000" scaled="0"/>
+        </a:gradFill>
+      </a:bgFillStyleLst>
+    </a:fmtScheme>
+  </a:themeElements>
+  <a:objectDefaults/>
+  <a:extraClrSchemeLst/>
+  <a:extLst>
+    <a:ext uri="{05A4C25C-085E-4340-85A3-A5531E510DB2}">
+      <thm15:themeFamily xmlns:thm15="http://schemas.microsoft.com/office/thememl/2012/main" name="Office Theme" id="{62F939B6-93AF-4DB8-9C6B-D6C7DFDC589F}" vid="{4A3C46E8-61CC-4603-A589-7422A47A8E4A}"/>
+    </a:ext>
+  </a:extLst>
+</a:theme>
 </file>